--- a/docs/LuckyServer.pptx
+++ b/docs/LuckyServer.pptx
@@ -5,7 +5,7 @@
     <p:sldMasterId id="2147483648" r:id="rId1"/>
   </p:sldMasterIdLst>
   <p:sldIdLst>
-    <p:sldId id="256" r:id="rId2"/>
+    <p:sldId id="262" r:id="rId2"/>
     <p:sldId id="257" r:id="rId3"/>
     <p:sldId id="258" r:id="rId4"/>
     <p:sldId id="259" r:id="rId5"/>
@@ -264,7 +264,7 @@
           <a:p>
             <a:fld id="{578C14AD-157C-4B19-B926-4C213759CBF9}" type="datetimeFigureOut">
               <a:rPr lang="zh-CN" altLang="en-US" smtClean="0"/>
-              <a:t>2024/10/18</a:t>
+              <a:t>2024/10/19</a:t>
             </a:fld>
             <a:endParaRPr lang="zh-CN" altLang="en-US"/>
           </a:p>
@@ -462,7 +462,7 @@
           <a:p>
             <a:fld id="{578C14AD-157C-4B19-B926-4C213759CBF9}" type="datetimeFigureOut">
               <a:rPr lang="zh-CN" altLang="en-US" smtClean="0"/>
-              <a:t>2024/10/18</a:t>
+              <a:t>2024/10/19</a:t>
             </a:fld>
             <a:endParaRPr lang="zh-CN" altLang="en-US"/>
           </a:p>
@@ -670,7 +670,7 @@
           <a:p>
             <a:fld id="{578C14AD-157C-4B19-B926-4C213759CBF9}" type="datetimeFigureOut">
               <a:rPr lang="zh-CN" altLang="en-US" smtClean="0"/>
-              <a:t>2024/10/18</a:t>
+              <a:t>2024/10/19</a:t>
             </a:fld>
             <a:endParaRPr lang="zh-CN" altLang="en-US"/>
           </a:p>
@@ -868,7 +868,7 @@
           <a:p>
             <a:fld id="{578C14AD-157C-4B19-B926-4C213759CBF9}" type="datetimeFigureOut">
               <a:rPr lang="zh-CN" altLang="en-US" smtClean="0"/>
-              <a:t>2024/10/18</a:t>
+              <a:t>2024/10/19</a:t>
             </a:fld>
             <a:endParaRPr lang="zh-CN" altLang="en-US"/>
           </a:p>
@@ -1143,7 +1143,7 @@
           <a:p>
             <a:fld id="{578C14AD-157C-4B19-B926-4C213759CBF9}" type="datetimeFigureOut">
               <a:rPr lang="zh-CN" altLang="en-US" smtClean="0"/>
-              <a:t>2024/10/18</a:t>
+              <a:t>2024/10/19</a:t>
             </a:fld>
             <a:endParaRPr lang="zh-CN" altLang="en-US"/>
           </a:p>
@@ -1408,7 +1408,7 @@
           <a:p>
             <a:fld id="{578C14AD-157C-4B19-B926-4C213759CBF9}" type="datetimeFigureOut">
               <a:rPr lang="zh-CN" altLang="en-US" smtClean="0"/>
-              <a:t>2024/10/18</a:t>
+              <a:t>2024/10/19</a:t>
             </a:fld>
             <a:endParaRPr lang="zh-CN" altLang="en-US"/>
           </a:p>
@@ -1820,7 +1820,7 @@
           <a:p>
             <a:fld id="{578C14AD-157C-4B19-B926-4C213759CBF9}" type="datetimeFigureOut">
               <a:rPr lang="zh-CN" altLang="en-US" smtClean="0"/>
-              <a:t>2024/10/18</a:t>
+              <a:t>2024/10/19</a:t>
             </a:fld>
             <a:endParaRPr lang="zh-CN" altLang="en-US"/>
           </a:p>
@@ -1961,7 +1961,7 @@
           <a:p>
             <a:fld id="{578C14AD-157C-4B19-B926-4C213759CBF9}" type="datetimeFigureOut">
               <a:rPr lang="zh-CN" altLang="en-US" smtClean="0"/>
-              <a:t>2024/10/18</a:t>
+              <a:t>2024/10/19</a:t>
             </a:fld>
             <a:endParaRPr lang="zh-CN" altLang="en-US"/>
           </a:p>
@@ -2074,7 +2074,7 @@
           <a:p>
             <a:fld id="{578C14AD-157C-4B19-B926-4C213759CBF9}" type="datetimeFigureOut">
               <a:rPr lang="zh-CN" altLang="en-US" smtClean="0"/>
-              <a:t>2024/10/18</a:t>
+              <a:t>2024/10/19</a:t>
             </a:fld>
             <a:endParaRPr lang="zh-CN" altLang="en-US"/>
           </a:p>
@@ -2385,7 +2385,7 @@
           <a:p>
             <a:fld id="{578C14AD-157C-4B19-B926-4C213759CBF9}" type="datetimeFigureOut">
               <a:rPr lang="zh-CN" altLang="en-US" smtClean="0"/>
-              <a:t>2024/10/18</a:t>
+              <a:t>2024/10/19</a:t>
             </a:fld>
             <a:endParaRPr lang="zh-CN" altLang="en-US"/>
           </a:p>
@@ -2673,7 +2673,7 @@
           <a:p>
             <a:fld id="{578C14AD-157C-4B19-B926-4C213759CBF9}" type="datetimeFigureOut">
               <a:rPr lang="zh-CN" altLang="en-US" smtClean="0"/>
-              <a:t>2024/10/18</a:t>
+              <a:t>2024/10/19</a:t>
             </a:fld>
             <a:endParaRPr lang="zh-CN" altLang="en-US"/>
           </a:p>
@@ -2914,7 +2914,7 @@
           <a:p>
             <a:fld id="{578C14AD-157C-4B19-B926-4C213759CBF9}" type="datetimeFigureOut">
               <a:rPr lang="zh-CN" altLang="en-US" smtClean="0"/>
-              <a:t>2024/10/18</a:t>
+              <a:t>2024/10/19</a:t>
             </a:fld>
             <a:endParaRPr lang="zh-CN" altLang="en-US"/>
           </a:p>
@@ -3333,13 +3333,7 @@
       </p:grpSpPr>
       <p:sp>
         <p:nvSpPr>
-          <p:cNvPr id="2" name="标题 1">
-            <a:extLst>
-              <a:ext uri="{FF2B5EF4-FFF2-40B4-BE49-F238E27FC236}">
-                <a16:creationId xmlns:a16="http://schemas.microsoft.com/office/drawing/2014/main" id="{89F579E0-FB77-4DAC-A170-2487EC277045}"/>
-              </a:ext>
-            </a:extLst>
-          </p:cNvPr>
+          <p:cNvPr id="2" name="标题 1"/>
           <p:cNvSpPr>
             <a:spLocks noGrp="1"/>
           </p:cNvSpPr>
@@ -3352,29 +3346,37 @@
           <a:bodyPr/>
           <a:lstStyle/>
           <a:p>
-            <a:r>
-              <a:rPr lang="en-US" altLang="zh-CN" b="1" spc="-300" dirty="0">
-                <a:latin typeface="方正大标宋简体" panose="02010601030101010101" pitchFamily="2" charset="-122"/>
-                <a:ea typeface="方正大标宋简体" panose="02010601030101010101" pitchFamily="2" charset="-122"/>
-              </a:rPr>
-              <a:t>Lucky Server</a:t>
-            </a:r>
-            <a:endParaRPr lang="zh-CN" altLang="en-US" b="1" spc="-300" dirty="0">
-              <a:latin typeface="方正大标宋简体" panose="02010601030101010101" pitchFamily="2" charset="-122"/>
-              <a:ea typeface="方正大标宋简体" panose="02010601030101010101" pitchFamily="2" charset="-122"/>
-            </a:endParaRPr>
-          </a:p>
-        </p:txBody>
-      </p:sp>
-      <p:sp>
-        <p:nvSpPr>
-          <p:cNvPr id="3" name="副标题 2">
-            <a:extLst>
-              <a:ext uri="{FF2B5EF4-FFF2-40B4-BE49-F238E27FC236}">
-                <a16:creationId xmlns:a16="http://schemas.microsoft.com/office/drawing/2014/main" id="{359422CF-16C8-48E1-BFCB-502F77114560}"/>
-              </a:ext>
-            </a:extLst>
-          </p:cNvPr>
+            <a:pPr>
+              <a:lnSpc>
+                <a:spcPct val="100000"/>
+              </a:lnSpc>
+            </a:pPr>
+            <a:r>
+              <a:rPr lang="zh-CN" altLang="en-US" sz="3600" b="1" dirty="0">
+                <a:latin typeface="方正大标宋简体" panose="02000000000000000000" charset="-122"/>
+                <a:ea typeface="方正大标宋简体" panose="02000000000000000000" charset="-122"/>
+              </a:rPr>
+              <a:t>《系统设计与开发实践》结对项目</a:t>
+            </a:r>
+            <a:br>
+              <a:rPr lang="en-US" altLang="zh-CN" sz="3600" b="1" dirty="0">
+                <a:latin typeface="方正大标宋简体" panose="02000000000000000000" charset="-122"/>
+                <a:ea typeface="方正大标宋简体" panose="02000000000000000000" charset="-122"/>
+              </a:rPr>
+            </a:br>
+            <a:r>
+              <a:rPr lang="zh-CN" altLang="en-US" sz="3600" b="1" dirty="0">
+                <a:latin typeface="方正大标宋简体" panose="02000000000000000000" charset="-122"/>
+                <a:ea typeface="方正大标宋简体" panose="02000000000000000000" charset="-122"/>
+              </a:rPr>
+              <a:t>开发经验分享</a:t>
+            </a:r>
+          </a:p>
+        </p:txBody>
+      </p:sp>
+      <p:sp>
+        <p:nvSpPr>
+          <p:cNvPr id="3" name="副标题 2"/>
           <p:cNvSpPr>
             <a:spLocks noGrp="1"/>
           </p:cNvSpPr>
@@ -3382,31 +3384,29 @@
             <p:ph type="subTitle" idx="1"/>
           </p:nvPr>
         </p:nvSpPr>
-        <p:spPr/>
-        <p:txBody>
-          <a:bodyPr/>
-          <a:lstStyle/>
-          <a:p>
-            <a:r>
-              <a:rPr lang="en-US" altLang="zh-CN" spc="-150" dirty="0">
-                <a:latin typeface="方正大标宋简体" panose="02010601030101010101" pitchFamily="2" charset="-122"/>
-                <a:ea typeface="方正大标宋简体" panose="02010601030101010101" pitchFamily="2" charset="-122"/>
-              </a:rPr>
-              <a:t>a toy web server</a:t>
-            </a:r>
-            <a:endParaRPr lang="zh-CN" altLang="en-US" spc="-150" dirty="0">
-              <a:latin typeface="方正大标宋简体" panose="02010601030101010101" pitchFamily="2" charset="-122"/>
-              <a:ea typeface="方正大标宋简体" panose="02010601030101010101" pitchFamily="2" charset="-122"/>
-            </a:endParaRPr>
+        <p:spPr>
+          <a:xfrm>
+            <a:off x="1524000" y="3952360"/>
+            <a:ext cx="9144000" cy="1655762"/>
+          </a:xfrm>
+        </p:spPr>
+        <p:txBody>
+          <a:bodyPr>
+            <a:normAutofit/>
+          </a:bodyPr>
+          <a:lstStyle/>
+          <a:p>
+            <a:r>
+              <a:rPr lang="en-US" altLang="zh-CN" dirty="0">
+                <a:latin typeface="阿里巴巴普惠体 2.0 55 Regular" panose="00020600040101010101" charset="-122"/>
+                <a:ea typeface="阿里巴巴普惠体 2.0 55 Regular" panose="00020600040101010101" charset="-122"/>
+              </a:rPr>
+              <a:t>Lucky Server - a Toy Web Server</a:t>
+            </a:r>
           </a:p>
         </p:txBody>
       </p:sp>
     </p:spTree>
-    <p:extLst>
-      <p:ext uri="{BB962C8B-B14F-4D97-AF65-F5344CB8AC3E}">
-        <p14:creationId xmlns:p14="http://schemas.microsoft.com/office/powerpoint/2010/main" val="3183767276"/>
-      </p:ext>
-    </p:extLst>
   </p:cSld>
   <p:clrMapOvr>
     <a:masterClrMapping/>
@@ -5649,6 +5649,15 @@
           <a:prstGeom prst="rightArrow">
             <a:avLst/>
           </a:prstGeom>
+          <a:solidFill>
+            <a:schemeClr val="accent6">
+              <a:lumMod val="20000"/>
+              <a:lumOff val="80000"/>
+            </a:schemeClr>
+          </a:solidFill>
+          <a:ln>
+            <a:noFill/>
+          </a:ln>
         </p:spPr>
         <p:style>
           <a:lnRef idx="2">
@@ -5874,18 +5883,27 @@
           <a:prstGeom prst="rightArrow">
             <a:avLst/>
           </a:prstGeom>
+          <a:solidFill>
+            <a:schemeClr val="accent6">
+              <a:lumMod val="20000"/>
+              <a:lumOff val="80000"/>
+            </a:schemeClr>
+          </a:solidFill>
+          <a:ln>
+            <a:noFill/>
+          </a:ln>
         </p:spPr>
         <p:style>
           <a:lnRef idx="2">
-            <a:schemeClr val="accent1">
+            <a:schemeClr val="accent4">
               <a:shade val="50000"/>
             </a:schemeClr>
           </a:lnRef>
           <a:fillRef idx="1">
-            <a:schemeClr val="accent1"/>
+            <a:schemeClr val="accent4"/>
           </a:fillRef>
           <a:effectRef idx="0">
-            <a:schemeClr val="accent1"/>
+            <a:schemeClr val="accent4"/>
           </a:effectRef>
           <a:fontRef idx="minor">
             <a:schemeClr val="lt1"/>
@@ -6138,6 +6156,15 @@
           <a:prstGeom prst="rightArrow">
             <a:avLst/>
           </a:prstGeom>
+          <a:solidFill>
+            <a:schemeClr val="accent6">
+              <a:lumMod val="20000"/>
+              <a:lumOff val="80000"/>
+            </a:schemeClr>
+          </a:solidFill>
+          <a:ln>
+            <a:noFill/>
+          </a:ln>
         </p:spPr>
         <p:style>
           <a:lnRef idx="2">
@@ -6225,6 +6252,15 @@
           <a:prstGeom prst="rightArrow">
             <a:avLst/>
           </a:prstGeom>
+          <a:solidFill>
+            <a:schemeClr val="accent6">
+              <a:lumMod val="20000"/>
+              <a:lumOff val="80000"/>
+            </a:schemeClr>
+          </a:solidFill>
+          <a:ln>
+            <a:noFill/>
+          </a:ln>
         </p:spPr>
         <p:style>
           <a:lnRef idx="2">
@@ -6544,6 +6580,60 @@
             <a:endParaRPr lang="zh-CN" altLang="en-US" sz="2000" i="1" dirty="0">
               <a:latin typeface="Times New Roman" panose="02020603050405020304" pitchFamily="18" charset="0"/>
               <a:cs typeface="Times New Roman" panose="02020603050405020304" pitchFamily="18" charset="0"/>
+            </a:endParaRPr>
+          </a:p>
+        </p:txBody>
+      </p:sp>
+      <p:sp>
+        <p:nvSpPr>
+          <p:cNvPr id="4" name="文本框 3">
+            <a:extLst>
+              <a:ext uri="{FF2B5EF4-FFF2-40B4-BE49-F238E27FC236}">
+                <a16:creationId xmlns:a16="http://schemas.microsoft.com/office/drawing/2014/main" id="{01728FD2-1E2D-456B-8B3F-BDD7AAAAFCED}"/>
+              </a:ext>
+            </a:extLst>
+          </p:cNvPr>
+          <p:cNvSpPr txBox="1"/>
+          <p:nvPr/>
+        </p:nvSpPr>
+        <p:spPr>
+          <a:xfrm>
+            <a:off x="7778166" y="3643580"/>
+            <a:ext cx="1333570" cy="1477328"/>
+          </a:xfrm>
+          <a:prstGeom prst="rect">
+            <a:avLst/>
+          </a:prstGeom>
+          <a:noFill/>
+          <a:effectLst>
+            <a:outerShdw blurRad="50800" dist="38100" dir="2700000" algn="tl" rotWithShape="0">
+              <a:prstClr val="black">
+                <a:alpha val="40000"/>
+              </a:prstClr>
+            </a:outerShdw>
+          </a:effectLst>
+        </p:spPr>
+        <p:txBody>
+          <a:bodyPr wrap="square" rtlCol="0">
+            <a:spAutoFit/>
+          </a:bodyPr>
+          <a:lstStyle/>
+          <a:p>
+            <a:pPr algn="ctr"/>
+            <a:r>
+              <a:rPr lang="en-US" altLang="zh-CN" b="1" dirty="0">
+                <a:solidFill>
+                  <a:srgbClr val="FF0000"/>
+                </a:solidFill>
+                <a:latin typeface="Consolas" panose="020B0609020204030204" pitchFamily="49" charset="0"/>
+              </a:rPr>
+              <a:t>Randomly select an EventLoop to take over it.</a:t>
+            </a:r>
+            <a:endParaRPr lang="zh-CN" altLang="en-US" b="1" dirty="0">
+              <a:solidFill>
+                <a:srgbClr val="FF0000"/>
+              </a:solidFill>
+              <a:latin typeface="Consolas" panose="020B0609020204030204" pitchFamily="49" charset="0"/>
             </a:endParaRPr>
           </a:p>
         </p:txBody>
